--- a/Daily Agendas/Day1.1 Data Analysis 1.pptx
+++ b/Daily Agendas/Day1.1 Data Analysis 1.pptx
@@ -244,7 +244,7 @@
           <a:p>
             <a:fld id="{DBFDDC6D-30E6-4591-A5D6-EBA4A0A375E4}" type="datetimeFigureOut">
               <a:rPr lang="en-US" smtClean="0"/>
-              <a:t>2/2/2020</a:t>
+              <a:t>2/3/2020</a:t>
             </a:fld>
             <a:endParaRPr lang="en-US"/>
           </a:p>
@@ -414,7 +414,7 @@
           <a:p>
             <a:fld id="{DBFDDC6D-30E6-4591-A5D6-EBA4A0A375E4}" type="datetimeFigureOut">
               <a:rPr lang="en-US" smtClean="0"/>
-              <a:t>2/2/2020</a:t>
+              <a:t>2/3/2020</a:t>
             </a:fld>
             <a:endParaRPr lang="en-US"/>
           </a:p>
@@ -594,7 +594,7 @@
           <a:p>
             <a:fld id="{DBFDDC6D-30E6-4591-A5D6-EBA4A0A375E4}" type="datetimeFigureOut">
               <a:rPr lang="en-US" smtClean="0"/>
-              <a:t>2/2/2020</a:t>
+              <a:t>2/3/2020</a:t>
             </a:fld>
             <a:endParaRPr lang="en-US"/>
           </a:p>
@@ -764,7 +764,7 @@
           <a:p>
             <a:fld id="{DBFDDC6D-30E6-4591-A5D6-EBA4A0A375E4}" type="datetimeFigureOut">
               <a:rPr lang="en-US" smtClean="0"/>
-              <a:t>2/2/2020</a:t>
+              <a:t>2/3/2020</a:t>
             </a:fld>
             <a:endParaRPr lang="en-US"/>
           </a:p>
@@ -1008,7 +1008,7 @@
           <a:p>
             <a:fld id="{DBFDDC6D-30E6-4591-A5D6-EBA4A0A375E4}" type="datetimeFigureOut">
               <a:rPr lang="en-US" smtClean="0"/>
-              <a:t>2/2/2020</a:t>
+              <a:t>2/3/2020</a:t>
             </a:fld>
             <a:endParaRPr lang="en-US"/>
           </a:p>
@@ -1240,7 +1240,7 @@
           <a:p>
             <a:fld id="{DBFDDC6D-30E6-4591-A5D6-EBA4A0A375E4}" type="datetimeFigureOut">
               <a:rPr lang="en-US" smtClean="0"/>
-              <a:t>2/2/2020</a:t>
+              <a:t>2/3/2020</a:t>
             </a:fld>
             <a:endParaRPr lang="en-US"/>
           </a:p>
@@ -1607,7 +1607,7 @@
           <a:p>
             <a:fld id="{DBFDDC6D-30E6-4591-A5D6-EBA4A0A375E4}" type="datetimeFigureOut">
               <a:rPr lang="en-US" smtClean="0"/>
-              <a:t>2/2/2020</a:t>
+              <a:t>2/3/2020</a:t>
             </a:fld>
             <a:endParaRPr lang="en-US"/>
           </a:p>
@@ -1725,7 +1725,7 @@
           <a:p>
             <a:fld id="{DBFDDC6D-30E6-4591-A5D6-EBA4A0A375E4}" type="datetimeFigureOut">
               <a:rPr lang="en-US" smtClean="0"/>
-              <a:t>2/2/2020</a:t>
+              <a:t>2/3/2020</a:t>
             </a:fld>
             <a:endParaRPr lang="en-US"/>
           </a:p>
@@ -1820,7 +1820,7 @@
           <a:p>
             <a:fld id="{DBFDDC6D-30E6-4591-A5D6-EBA4A0A375E4}" type="datetimeFigureOut">
               <a:rPr lang="en-US" smtClean="0"/>
-              <a:t>2/2/2020</a:t>
+              <a:t>2/3/2020</a:t>
             </a:fld>
             <a:endParaRPr lang="en-US"/>
           </a:p>
@@ -2097,7 +2097,7 @@
           <a:p>
             <a:fld id="{DBFDDC6D-30E6-4591-A5D6-EBA4A0A375E4}" type="datetimeFigureOut">
               <a:rPr lang="en-US" smtClean="0"/>
-              <a:t>2/2/2020</a:t>
+              <a:t>2/3/2020</a:t>
             </a:fld>
             <a:endParaRPr lang="en-US"/>
           </a:p>
@@ -2354,7 +2354,7 @@
           <a:p>
             <a:fld id="{DBFDDC6D-30E6-4591-A5D6-EBA4A0A375E4}" type="datetimeFigureOut">
               <a:rPr lang="en-US" smtClean="0"/>
-              <a:t>2/2/2020</a:t>
+              <a:t>2/3/2020</a:t>
             </a:fld>
             <a:endParaRPr lang="en-US"/>
           </a:p>
@@ -2567,7 +2567,7 @@
           <a:p>
             <a:fld id="{DBFDDC6D-30E6-4591-A5D6-EBA4A0A375E4}" type="datetimeFigureOut">
               <a:rPr lang="en-US" smtClean="0"/>
-              <a:t>2/2/2020</a:t>
+              <a:t>2/3/2020</a:t>
             </a:fld>
             <a:endParaRPr lang="en-US"/>
           </a:p>
@@ -3159,12 +3159,8 @@
           <a:p>
             <a:pPr lvl="2"/>
             <a:r>
-              <a:rPr lang="en-CA"/>
-              <a:t>Presentation: Unit </a:t>
-            </a:r>
-            <a:r>
               <a:rPr lang="en-CA" dirty="0"/>
-              <a:t>Conversions, Sig-Digs, Propagation of Sig-Digs</a:t>
+              <a:t>Presentation: Unit Conversions, Sig-Digs, Propagation of Sig-Digs</a:t>
             </a:r>
           </a:p>
           <a:p>
